--- a/Introductie tot PYTHON.pptx
+++ b/Introductie tot PYTHON.pptx
@@ -25,11 +25,12 @@
     <p:sldId id="274" r:id="rId19"/>
     <p:sldId id="275" r:id="rId20"/>
     <p:sldId id="276" r:id="rId21"/>
-    <p:sldId id="280" r:id="rId22"/>
-    <p:sldId id="281" r:id="rId23"/>
-    <p:sldId id="277" r:id="rId24"/>
-    <p:sldId id="278" r:id="rId25"/>
-    <p:sldId id="279" r:id="rId26"/>
+    <p:sldId id="282" r:id="rId22"/>
+    <p:sldId id="280" r:id="rId23"/>
+    <p:sldId id="281" r:id="rId24"/>
+    <p:sldId id="277" r:id="rId25"/>
+    <p:sldId id="278" r:id="rId26"/>
+    <p:sldId id="279" r:id="rId27"/>
   </p:sldIdLst>
   <p:sldSz cx="12192000" cy="6858000"/>
   <p:notesSz cx="6858000" cy="9144000"/>
@@ -332,7 +333,7 @@
           <a:p>
             <a:fld id="{ECD19FB2-3AAB-4D03-B13A-2960828C78E3}" type="datetimeFigureOut">
               <a:rPr lang="en-US" dirty="0"/>
-              <a:t>5/2/2018</a:t>
+              <a:t>5/3/2018</a:t>
             </a:fld>
             <a:endParaRPr lang="en-US" dirty="0"/>
           </a:p>
@@ -609,7 +610,7 @@
           <a:p>
             <a:fld id="{1B80C674-7DFC-42FE-B9CD-82963CDB1557}" type="datetimeFigureOut">
               <a:rPr lang="en-US" dirty="0"/>
-              <a:t>5/2/2018</a:t>
+              <a:t>5/3/2018</a:t>
             </a:fld>
             <a:endParaRPr lang="en-US" dirty="0"/>
           </a:p>
@@ -796,7 +797,7 @@
           <a:p>
             <a:fld id="{2076456F-F47D-4F25-8053-2A695DA0CA7D}" type="datetimeFigureOut">
               <a:rPr lang="en-US" dirty="0"/>
-              <a:t>5/2/2018</a:t>
+              <a:t>5/3/2018</a:t>
             </a:fld>
             <a:endParaRPr lang="en-US" dirty="0"/>
           </a:p>
@@ -1052,7 +1053,7 @@
           <a:p>
             <a:fld id="{5D6C7379-69CC-4837-9905-BEBA22830C8A}" type="datetimeFigureOut">
               <a:rPr lang="en-US" dirty="0"/>
-              <a:t>5/2/2018</a:t>
+              <a:t>5/3/2018</a:t>
             </a:fld>
             <a:endParaRPr lang="en-US" dirty="0"/>
           </a:p>
@@ -1473,7 +1474,7 @@
           <a:p>
             <a:fld id="{49EB8B7E-8AEE-4F10-BFEE-C999AD004D36}" type="datetimeFigureOut">
               <a:rPr lang="en-US" dirty="0"/>
-              <a:t>5/2/2018</a:t>
+              <a:t>5/3/2018</a:t>
             </a:fld>
             <a:endParaRPr lang="en-US" dirty="0"/>
           </a:p>
@@ -2014,7 +2015,7 @@
           <a:p>
             <a:fld id="{8668F3F9-58BC-440B-B37B-805B9055EF92}" type="datetimeFigureOut">
               <a:rPr lang="en-US" dirty="0"/>
-              <a:t>5/2/2018</a:t>
+              <a:t>5/3/2018</a:t>
             </a:fld>
             <a:endParaRPr lang="en-US" dirty="0"/>
           </a:p>
@@ -2840,7 +2841,7 @@
           <a:p>
             <a:fld id="{0D5A53AF-48EA-489D-8260-9DCAB666386A}" type="datetimeFigureOut">
               <a:rPr lang="en-US" dirty="0"/>
-              <a:t>5/2/2018</a:t>
+              <a:t>5/3/2018</a:t>
             </a:fld>
             <a:endParaRPr lang="en-US" dirty="0"/>
           </a:p>
@@ -3005,7 +3006,7 @@
           <a:p>
             <a:fld id="{0DED02AE-B9A4-47BD-AF8E-97E16144138B}" type="datetimeFigureOut">
               <a:rPr lang="en-US" dirty="0"/>
-              <a:t>5/2/2018</a:t>
+              <a:t>5/3/2018</a:t>
             </a:fld>
             <a:endParaRPr lang="en-US" dirty="0"/>
           </a:p>
@@ -3180,7 +3181,7 @@
           <a:p>
             <a:fld id="{CF0FD78B-DB02-4362-BCDC-98A55456977C}" type="datetimeFigureOut">
               <a:rPr lang="en-US" dirty="0"/>
-              <a:t>5/2/2018</a:t>
+              <a:t>5/3/2018</a:t>
             </a:fld>
             <a:endParaRPr lang="en-US" dirty="0"/>
           </a:p>
@@ -3345,7 +3346,7 @@
           <a:p>
             <a:fld id="{99916976-5D93-46E4-A98A-FAD63E4D0EA8}" type="datetimeFigureOut">
               <a:rPr lang="en-US" dirty="0"/>
-              <a:t>5/2/2018</a:t>
+              <a:t>5/3/2018</a:t>
             </a:fld>
             <a:endParaRPr lang="en-US" dirty="0"/>
           </a:p>
@@ -3597,7 +3598,7 @@
           <a:p>
             <a:fld id="{0F39F4F5-F4D2-4D2A-AB60-88D37ADCB869}" type="datetimeFigureOut">
               <a:rPr lang="en-US" dirty="0"/>
-              <a:t>5/2/2018</a:t>
+              <a:t>5/3/2018</a:t>
             </a:fld>
             <a:endParaRPr lang="en-US" dirty="0"/>
           </a:p>
@@ -3824,7 +3825,7 @@
           <a:p>
             <a:fld id="{D23BC6CE-6D1E-47E5-8859-F31AC5380EB2}" type="datetimeFigureOut">
               <a:rPr lang="en-US" dirty="0"/>
-              <a:t>5/2/2018</a:t>
+              <a:t>5/3/2018</a:t>
             </a:fld>
             <a:endParaRPr lang="en-US" dirty="0"/>
           </a:p>
@@ -4212,7 +4213,7 @@
           <a:p>
             <a:fld id="{B1B4E7C4-4DA4-404D-9965-B13F2DD7D8BF}" type="datetimeFigureOut">
               <a:rPr lang="en-US" dirty="0"/>
-              <a:t>5/2/2018</a:t>
+              <a:t>5/3/2018</a:t>
             </a:fld>
             <a:endParaRPr lang="en-US" dirty="0"/>
           </a:p>
@@ -4325,7 +4326,7 @@
           <a:p>
             <a:fld id="{476FB7AA-4A53-424F-AD41-70827B6504BA}" type="datetimeFigureOut">
               <a:rPr lang="en-US" dirty="0"/>
-              <a:t>5/2/2018</a:t>
+              <a:t>5/3/2018</a:t>
             </a:fld>
             <a:endParaRPr lang="en-US" dirty="0"/>
           </a:p>
@@ -4415,7 +4416,7 @@
           <a:p>
             <a:fld id="{E7884882-FB12-4BC8-9960-9AD8104D7FAE}" type="datetimeFigureOut">
               <a:rPr lang="en-US" dirty="0"/>
-              <a:t>5/2/2018</a:t>
+              <a:t>5/3/2018</a:t>
             </a:fld>
             <a:endParaRPr lang="en-US" dirty="0"/>
           </a:p>
@@ -4683,7 +4684,7 @@
           <a:p>
             <a:fld id="{F7D1BD23-6E54-4D9D-AD88-A2813C73CC25}" type="datetimeFigureOut">
               <a:rPr lang="en-US" dirty="0"/>
-              <a:t>5/2/2018</a:t>
+              <a:t>5/3/2018</a:t>
             </a:fld>
             <a:endParaRPr lang="en-US" dirty="0"/>
           </a:p>
@@ -4959,7 +4960,7 @@
           <a:p>
             <a:fld id="{1471A834-4F3C-4AF9-9C74-05EC35A0F292}" type="datetimeFigureOut">
               <a:rPr lang="en-US" dirty="0"/>
-              <a:t>5/2/2018</a:t>
+              <a:t>5/3/2018</a:t>
             </a:fld>
             <a:endParaRPr lang="en-US" dirty="0"/>
           </a:p>
@@ -5194,7 +5195,7 @@
           <a:p>
             <a:fld id="{51CF1133-3259-4C45-BABA-5B62D9C6F78D}" type="datetimeFigureOut">
               <a:rPr lang="en-US" dirty="0"/>
-              <a:t>5/2/2018</a:t>
+              <a:t>5/3/2018</a:t>
             </a:fld>
             <a:endParaRPr lang="en-US" dirty="0"/>
           </a:p>
@@ -5858,11 +5859,7 @@
           <a:p>
             <a:r>
               <a:rPr lang="nl-BE" dirty="0" smtClean="0"/>
-              <a:t>Python: </a:t>
-            </a:r>
-            <a:r>
-              <a:rPr lang="nl-BE" dirty="0" smtClean="0"/>
-              <a:t>Basistypes</a:t>
+              <a:t>Python: Basistypes</a:t>
             </a:r>
             <a:endParaRPr lang="nl-BE" dirty="0"/>
           </a:p>
@@ -6031,11 +6028,7 @@
           <a:p>
             <a:r>
               <a:rPr lang="nl-BE" dirty="0" smtClean="0"/>
-              <a:t>Python: </a:t>
-            </a:r>
-            <a:r>
-              <a:rPr lang="nl-BE" dirty="0" smtClean="0"/>
-              <a:t>Basistypes</a:t>
+              <a:t>Python: Basistypes</a:t>
             </a:r>
             <a:endParaRPr lang="nl-BE" dirty="0"/>
           </a:p>
@@ -6106,7 +6099,6 @@
               <a:rPr lang="nl-BE" dirty="0" smtClean="0"/>
               <a:t>bijna alle rest is True</a:t>
             </a:r>
-            <a:endParaRPr lang="nl-BE" dirty="0" smtClean="0"/>
           </a:p>
         </p:txBody>
       </p:sp>
@@ -6157,11 +6149,7 @@
           <a:p>
             <a:r>
               <a:rPr lang="nl-BE" dirty="0" smtClean="0"/>
-              <a:t>Python</a:t>
-            </a:r>
-            <a:r>
-              <a:rPr lang="nl-BE" dirty="0" smtClean="0"/>
-              <a:t>: Basistypes </a:t>
+              <a:t>Python: Basistypes </a:t>
             </a:r>
             <a:endParaRPr lang="nl-BE" dirty="0"/>
           </a:p>
@@ -6232,7 +6220,6 @@
               <a:rPr lang="nl-BE" dirty="0" smtClean="0"/>
               <a:t>bijna alle rest is True</a:t>
             </a:r>
-            <a:endParaRPr lang="nl-BE" dirty="0" smtClean="0"/>
           </a:p>
         </p:txBody>
       </p:sp>
@@ -6362,11 +6349,7 @@
           <a:p>
             <a:r>
               <a:rPr lang="nl-BE" dirty="0" smtClean="0"/>
-              <a:t>Python</a:t>
-            </a:r>
-            <a:r>
-              <a:rPr lang="nl-BE" dirty="0" smtClean="0"/>
-              <a:t>: </a:t>
+              <a:t>Python: </a:t>
             </a:r>
             <a:r>
               <a:rPr lang="nl-BE" dirty="0" err="1" smtClean="0"/>
@@ -6480,11 +6463,7 @@
           <a:p>
             <a:r>
               <a:rPr lang="nl-BE" dirty="0" smtClean="0"/>
-              <a:t>Python</a:t>
-            </a:r>
-            <a:r>
-              <a:rPr lang="nl-BE" dirty="0" smtClean="0"/>
-              <a:t>: </a:t>
+              <a:t>Python: </a:t>
             </a:r>
             <a:r>
               <a:rPr lang="nl-BE" dirty="0" err="1" smtClean="0"/>
@@ -6701,11 +6680,7 @@
           <a:p>
             <a:r>
               <a:rPr lang="nl-BE" dirty="0" smtClean="0"/>
-              <a:t>Python</a:t>
-            </a:r>
-            <a:r>
-              <a:rPr lang="nl-BE" dirty="0" smtClean="0"/>
-              <a:t>: Control Flow (</a:t>
+              <a:t>Python: Control Flow (</a:t>
             </a:r>
             <a:r>
               <a:rPr lang="nl-BE" dirty="0" err="1" smtClean="0"/>
@@ -6807,11 +6782,7 @@
           <a:p>
             <a:r>
               <a:rPr lang="nl-BE" dirty="0" smtClean="0"/>
-              <a:t>Python</a:t>
-            </a:r>
-            <a:r>
-              <a:rPr lang="nl-BE" dirty="0" smtClean="0"/>
-              <a:t>: Control Flow (</a:t>
+              <a:t>Python: Control Flow (</a:t>
             </a:r>
             <a:r>
               <a:rPr lang="nl-BE" dirty="0" err="1" smtClean="0"/>
@@ -7212,11 +7183,7 @@
           <a:p>
             <a:r>
               <a:rPr lang="nl-BE" dirty="0" smtClean="0"/>
-              <a:t>Python</a:t>
-            </a:r>
-            <a:r>
-              <a:rPr lang="nl-BE" dirty="0" smtClean="0"/>
-              <a:t>: Functies</a:t>
+              <a:t>Python: Functies</a:t>
             </a:r>
             <a:endParaRPr lang="nl-BE" dirty="0"/>
           </a:p>
@@ -7309,45 +7276,63 @@
             <a:spLocks noGrp="1"/>
           </p:cNvSpPr>
           <p:nvPr>
-            <p:ph type="ctrTitle"/>
-          </p:nvPr>
-        </p:nvSpPr>
-        <p:spPr/>
-        <p:txBody>
-          <a:bodyPr/>
-          <a:lstStyle/>
-          <a:p>
+            <p:ph type="title"/>
+          </p:nvPr>
+        </p:nvSpPr>
+        <p:spPr/>
+        <p:txBody>
+          <a:bodyPr/>
+          <a:lstStyle/>
+          <a:p>
+            <a:r>
+              <a:rPr lang="nl-BE" dirty="0" smtClean="0"/>
+              <a:t>Python: </a:t>
+            </a:r>
+            <a:r>
+              <a:rPr lang="nl-BE" dirty="0" smtClean="0"/>
+              <a:t>Recursie</a:t>
+            </a:r>
+            <a:endParaRPr lang="nl-BE" dirty="0"/>
+          </a:p>
+        </p:txBody>
+      </p:sp>
+      <p:sp>
+        <p:nvSpPr>
+          <p:cNvPr id="3" name="Content Placeholder 2"/>
+          <p:cNvSpPr>
+            <a:spLocks noGrp="1"/>
+          </p:cNvSpPr>
+          <p:nvPr>
+            <p:ph idx="1"/>
+          </p:nvPr>
+        </p:nvSpPr>
+        <p:spPr/>
+        <p:txBody>
+          <a:bodyPr/>
+          <a:lstStyle/>
+          <a:p>
+            <a:r>
+              <a:rPr lang="nl-BE" dirty="0" smtClean="0"/>
+              <a:t>Functie roept zichzelf terug op</a:t>
+            </a:r>
+          </a:p>
+          <a:p>
+            <a:r>
+              <a:rPr lang="nl-BE" dirty="0" smtClean="0"/>
+              <a:t>Typisch voorbeeld: faculteit, </a:t>
+            </a:r>
             <a:r>
               <a:rPr lang="nl-BE" dirty="0" err="1" smtClean="0"/>
-              <a:t>Imports</a:t>
+              <a:t>fibonacci</a:t>
             </a:r>
             <a:endParaRPr lang="nl-BE" dirty="0"/>
-          </a:p>
-        </p:txBody>
-      </p:sp>
-      <p:sp>
-        <p:nvSpPr>
-          <p:cNvPr id="3" name="Subtitle 2"/>
-          <p:cNvSpPr>
-            <a:spLocks noGrp="1"/>
-          </p:cNvSpPr>
-          <p:nvPr>
-            <p:ph type="subTitle" idx="1"/>
-          </p:nvPr>
-        </p:nvSpPr>
-        <p:spPr/>
-        <p:txBody>
-          <a:bodyPr/>
-          <a:lstStyle/>
-          <a:p>
-            <a:endParaRPr lang="nl-BE"/>
           </a:p>
         </p:txBody>
       </p:sp>
     </p:spTree>
     <p:extLst>
       <p:ext uri="{BB962C8B-B14F-4D97-AF65-F5344CB8AC3E}">
-        <p14:creationId xmlns:p14="http://schemas.microsoft.com/office/powerpoint/2010/main" val="2207328030"/>
+        <p14:creationId xmlns:p14="http://schemas.microsoft.com/office/powerpoint/2010/main" val="2829351718"/>
       </p:ext>
     </p:extLst>
   </p:cSld>
@@ -7388,6 +7373,85 @@
             <a:spLocks noGrp="1"/>
           </p:cNvSpPr>
           <p:nvPr>
+            <p:ph type="ctrTitle"/>
+          </p:nvPr>
+        </p:nvSpPr>
+        <p:spPr/>
+        <p:txBody>
+          <a:bodyPr/>
+          <a:lstStyle/>
+          <a:p>
+            <a:r>
+              <a:rPr lang="nl-BE" dirty="0" err="1" smtClean="0"/>
+              <a:t>Imports</a:t>
+            </a:r>
+            <a:endParaRPr lang="nl-BE" dirty="0"/>
+          </a:p>
+        </p:txBody>
+      </p:sp>
+      <p:sp>
+        <p:nvSpPr>
+          <p:cNvPr id="3" name="Subtitle 2"/>
+          <p:cNvSpPr>
+            <a:spLocks noGrp="1"/>
+          </p:cNvSpPr>
+          <p:nvPr>
+            <p:ph type="subTitle" idx="1"/>
+          </p:nvPr>
+        </p:nvSpPr>
+        <p:spPr/>
+        <p:txBody>
+          <a:bodyPr/>
+          <a:lstStyle/>
+          <a:p>
+            <a:endParaRPr lang="nl-BE"/>
+          </a:p>
+        </p:txBody>
+      </p:sp>
+    </p:spTree>
+    <p:extLst>
+      <p:ext uri="{BB962C8B-B14F-4D97-AF65-F5344CB8AC3E}">
+        <p14:creationId xmlns:p14="http://schemas.microsoft.com/office/powerpoint/2010/main" val="2207328030"/>
+      </p:ext>
+    </p:extLst>
+  </p:cSld>
+  <p:clrMapOvr>
+    <a:masterClrMapping/>
+  </p:clrMapOvr>
+  <p:timing>
+    <p:tnLst>
+      <p:par>
+        <p:cTn id="1" dur="indefinite" restart="never" nodeType="tmRoot"/>
+      </p:par>
+    </p:tnLst>
+  </p:timing>
+</p:sld>
+</file>
+
+<file path=ppt/slides/slide23.xml><?xml version="1.0" encoding="utf-8"?>
+<p:sld xmlns:a="http://schemas.openxmlformats.org/drawingml/2006/main" xmlns:r="http://schemas.openxmlformats.org/officeDocument/2006/relationships" xmlns:p="http://schemas.openxmlformats.org/presentationml/2006/main">
+  <p:cSld>
+    <p:spTree>
+      <p:nvGrpSpPr>
+        <p:cNvPr id="1" name=""/>
+        <p:cNvGrpSpPr/>
+        <p:nvPr/>
+      </p:nvGrpSpPr>
+      <p:grpSpPr>
+        <a:xfrm>
+          <a:off x="0" y="0"/>
+          <a:ext cx="0" cy="0"/>
+          <a:chOff x="0" y="0"/>
+          <a:chExt cx="0" cy="0"/>
+        </a:xfrm>
+      </p:grpSpPr>
+      <p:sp>
+        <p:nvSpPr>
+          <p:cNvPr id="2" name="Title 1"/>
+          <p:cNvSpPr>
+            <a:spLocks noGrp="1"/>
+          </p:cNvSpPr>
+          <p:nvPr>
             <p:ph type="title"/>
           </p:nvPr>
         </p:nvSpPr>
@@ -7398,11 +7462,7 @@
           <a:p>
             <a:r>
               <a:rPr lang="nl-BE" dirty="0" smtClean="0"/>
-              <a:t>Python</a:t>
-            </a:r>
-            <a:r>
-              <a:rPr lang="nl-BE" dirty="0" smtClean="0"/>
-              <a:t>: </a:t>
+              <a:t>Python: </a:t>
             </a:r>
             <a:r>
               <a:rPr lang="nl-BE" dirty="0" err="1" smtClean="0"/>
@@ -7499,85 +7559,6 @@
 </p:sld>
 </file>
 
-<file path=ppt/slides/slide23.xml><?xml version="1.0" encoding="utf-8"?>
-<p:sld xmlns:a="http://schemas.openxmlformats.org/drawingml/2006/main" xmlns:r="http://schemas.openxmlformats.org/officeDocument/2006/relationships" xmlns:p="http://schemas.openxmlformats.org/presentationml/2006/main">
-  <p:cSld>
-    <p:spTree>
-      <p:nvGrpSpPr>
-        <p:cNvPr id="1" name=""/>
-        <p:cNvGrpSpPr/>
-        <p:nvPr/>
-      </p:nvGrpSpPr>
-      <p:grpSpPr>
-        <a:xfrm>
-          <a:off x="0" y="0"/>
-          <a:ext cx="0" cy="0"/>
-          <a:chOff x="0" y="0"/>
-          <a:chExt cx="0" cy="0"/>
-        </a:xfrm>
-      </p:grpSpPr>
-      <p:sp>
-        <p:nvSpPr>
-          <p:cNvPr id="2" name="Title 1"/>
-          <p:cNvSpPr>
-            <a:spLocks noGrp="1"/>
-          </p:cNvSpPr>
-          <p:nvPr>
-            <p:ph type="ctrTitle"/>
-          </p:nvPr>
-        </p:nvSpPr>
-        <p:spPr/>
-        <p:txBody>
-          <a:bodyPr/>
-          <a:lstStyle/>
-          <a:p>
-            <a:r>
-              <a:rPr lang="nl-BE" dirty="0" smtClean="0"/>
-              <a:t>Is er nog meer?</a:t>
-            </a:r>
-            <a:endParaRPr lang="nl-BE" dirty="0"/>
-          </a:p>
-        </p:txBody>
-      </p:sp>
-      <p:sp>
-        <p:nvSpPr>
-          <p:cNvPr id="3" name="Subtitle 2"/>
-          <p:cNvSpPr>
-            <a:spLocks noGrp="1"/>
-          </p:cNvSpPr>
-          <p:nvPr>
-            <p:ph type="subTitle" idx="1"/>
-          </p:nvPr>
-        </p:nvSpPr>
-        <p:spPr/>
-        <p:txBody>
-          <a:bodyPr/>
-          <a:lstStyle/>
-          <a:p>
-            <a:endParaRPr lang="nl-BE"/>
-          </a:p>
-        </p:txBody>
-      </p:sp>
-    </p:spTree>
-    <p:extLst>
-      <p:ext uri="{BB962C8B-B14F-4D97-AF65-F5344CB8AC3E}">
-        <p14:creationId xmlns:p14="http://schemas.microsoft.com/office/powerpoint/2010/main" val="3555745812"/>
-      </p:ext>
-    </p:extLst>
-  </p:cSld>
-  <p:clrMapOvr>
-    <a:masterClrMapping/>
-  </p:clrMapOvr>
-  <p:timing>
-    <p:tnLst>
-      <p:par>
-        <p:cTn id="1" dur="indefinite" restart="never" nodeType="tmRoot"/>
-      </p:par>
-    </p:tnLst>
-  </p:timing>
-</p:sld>
-</file>
-
 <file path=ppt/slides/slide24.xml><?xml version="1.0" encoding="utf-8"?>
 <p:sld xmlns:a="http://schemas.openxmlformats.org/drawingml/2006/main" xmlns:r="http://schemas.openxmlformats.org/officeDocument/2006/relationships" xmlns:p="http://schemas.openxmlformats.org/presentationml/2006/main">
   <p:cSld>
@@ -7602,7 +7583,7 @@
             <a:spLocks noGrp="1"/>
           </p:cNvSpPr>
           <p:nvPr>
-            <p:ph type="title"/>
+            <p:ph type="ctrTitle"/>
           </p:nvPr>
         </p:nvSpPr>
         <p:spPr/>
@@ -7612,7 +7593,7 @@
           <a:p>
             <a:r>
               <a:rPr lang="nl-BE" dirty="0" smtClean="0"/>
-              <a:t>Er is nog enorm veel meer!</a:t>
+              <a:t>Is er nog meer?</a:t>
             </a:r>
             <a:endParaRPr lang="nl-BE" dirty="0"/>
           </a:p>
@@ -7620,79 +7601,27 @@
       </p:sp>
       <p:sp>
         <p:nvSpPr>
-          <p:cNvPr id="3" name="Content Placeholder 2"/>
-          <p:cNvSpPr>
-            <a:spLocks noGrp="1"/>
-          </p:cNvSpPr>
-          <p:nvPr>
-            <p:ph idx="1"/>
-          </p:nvPr>
-        </p:nvSpPr>
-        <p:spPr/>
-        <p:txBody>
-          <a:bodyPr/>
-          <a:lstStyle/>
-          <a:p>
-            <a:r>
-              <a:rPr lang="nl-BE" dirty="0" smtClean="0"/>
-              <a:t>Matrices (</a:t>
-            </a:r>
-            <a:r>
-              <a:rPr lang="nl-BE" dirty="0" smtClean="0">
-                <a:sym typeface="Wingdings" panose="05000000000000000000" pitchFamily="2" charset="2"/>
-              </a:rPr>
-              <a:t> Artificiële intelligentie met Tensorflow!)</a:t>
-            </a:r>
-            <a:endParaRPr lang="nl-BE" dirty="0" smtClean="0"/>
-          </a:p>
-          <a:p>
-            <a:r>
-              <a:rPr lang="nl-BE" dirty="0" err="1" smtClean="0"/>
-              <a:t>Dictionaries</a:t>
-            </a:r>
-            <a:endParaRPr lang="nl-BE" dirty="0"/>
-          </a:p>
-          <a:p>
-            <a:r>
-              <a:rPr lang="nl-BE" dirty="0" err="1" smtClean="0"/>
-              <a:t>Lambda</a:t>
-            </a:r>
-            <a:r>
-              <a:rPr lang="nl-BE" dirty="0" smtClean="0"/>
-              <a:t> functies</a:t>
-            </a:r>
-          </a:p>
-          <a:p>
-            <a:r>
-              <a:rPr lang="nl-BE" dirty="0" smtClean="0"/>
-              <a:t>File I/O</a:t>
-            </a:r>
-          </a:p>
-          <a:p>
-            <a:r>
-              <a:rPr lang="nl-BE" dirty="0" err="1" smtClean="0"/>
-              <a:t>Exception</a:t>
-            </a:r>
-            <a:r>
-              <a:rPr lang="nl-BE" dirty="0" smtClean="0"/>
-              <a:t> handling</a:t>
-            </a:r>
-          </a:p>
-          <a:p>
-            <a:r>
-              <a:rPr lang="nl-BE" dirty="0" smtClean="0"/>
-              <a:t>…</a:t>
-            </a:r>
-          </a:p>
-          <a:p>
-            <a:endParaRPr lang="nl-BE" dirty="0"/>
+          <p:cNvPr id="3" name="Subtitle 2"/>
+          <p:cNvSpPr>
+            <a:spLocks noGrp="1"/>
+          </p:cNvSpPr>
+          <p:nvPr>
+            <p:ph type="subTitle" idx="1"/>
+          </p:nvPr>
+        </p:nvSpPr>
+        <p:spPr/>
+        <p:txBody>
+          <a:bodyPr/>
+          <a:lstStyle/>
+          <a:p>
+            <a:endParaRPr lang="nl-BE"/>
           </a:p>
         </p:txBody>
       </p:sp>
     </p:spTree>
     <p:extLst>
       <p:ext uri="{BB962C8B-B14F-4D97-AF65-F5344CB8AC3E}">
-        <p14:creationId xmlns:p14="http://schemas.microsoft.com/office/powerpoint/2010/main" val="4507298"/>
+        <p14:creationId xmlns:p14="http://schemas.microsoft.com/office/powerpoint/2010/main" val="3555745812"/>
       </p:ext>
     </p:extLst>
   </p:cSld>
@@ -7743,6 +7672,137 @@
           <a:p>
             <a:r>
               <a:rPr lang="nl-BE" dirty="0" smtClean="0"/>
+              <a:t>Er is nog enorm veel meer!</a:t>
+            </a:r>
+            <a:endParaRPr lang="nl-BE" dirty="0"/>
+          </a:p>
+        </p:txBody>
+      </p:sp>
+      <p:sp>
+        <p:nvSpPr>
+          <p:cNvPr id="3" name="Content Placeholder 2"/>
+          <p:cNvSpPr>
+            <a:spLocks noGrp="1"/>
+          </p:cNvSpPr>
+          <p:nvPr>
+            <p:ph idx="1"/>
+          </p:nvPr>
+        </p:nvSpPr>
+        <p:spPr/>
+        <p:txBody>
+          <a:bodyPr/>
+          <a:lstStyle/>
+          <a:p>
+            <a:r>
+              <a:rPr lang="nl-BE" dirty="0" smtClean="0"/>
+              <a:t>Matrices (</a:t>
+            </a:r>
+            <a:r>
+              <a:rPr lang="nl-BE" dirty="0" smtClean="0">
+                <a:sym typeface="Wingdings" panose="05000000000000000000" pitchFamily="2" charset="2"/>
+              </a:rPr>
+              <a:t> Artificiële intelligentie met Tensorflow!)</a:t>
+            </a:r>
+            <a:endParaRPr lang="nl-BE" dirty="0" smtClean="0"/>
+          </a:p>
+          <a:p>
+            <a:r>
+              <a:rPr lang="nl-BE" dirty="0" err="1" smtClean="0"/>
+              <a:t>Dictionaries</a:t>
+            </a:r>
+            <a:endParaRPr lang="nl-BE" dirty="0"/>
+          </a:p>
+          <a:p>
+            <a:r>
+              <a:rPr lang="nl-BE" dirty="0" err="1" smtClean="0"/>
+              <a:t>Lambda</a:t>
+            </a:r>
+            <a:r>
+              <a:rPr lang="nl-BE" dirty="0" smtClean="0"/>
+              <a:t> functies</a:t>
+            </a:r>
+          </a:p>
+          <a:p>
+            <a:r>
+              <a:rPr lang="nl-BE" dirty="0" smtClean="0"/>
+              <a:t>File I/O</a:t>
+            </a:r>
+          </a:p>
+          <a:p>
+            <a:r>
+              <a:rPr lang="nl-BE" dirty="0" err="1" smtClean="0"/>
+              <a:t>Exception</a:t>
+            </a:r>
+            <a:r>
+              <a:rPr lang="nl-BE" dirty="0" smtClean="0"/>
+              <a:t> handling</a:t>
+            </a:r>
+          </a:p>
+          <a:p>
+            <a:r>
+              <a:rPr lang="nl-BE" dirty="0" smtClean="0"/>
+              <a:t>…</a:t>
+            </a:r>
+          </a:p>
+          <a:p>
+            <a:endParaRPr lang="nl-BE" dirty="0"/>
+          </a:p>
+        </p:txBody>
+      </p:sp>
+    </p:spTree>
+    <p:extLst>
+      <p:ext uri="{BB962C8B-B14F-4D97-AF65-F5344CB8AC3E}">
+        <p14:creationId xmlns:p14="http://schemas.microsoft.com/office/powerpoint/2010/main" val="4507298"/>
+      </p:ext>
+    </p:extLst>
+  </p:cSld>
+  <p:clrMapOvr>
+    <a:masterClrMapping/>
+  </p:clrMapOvr>
+  <p:timing>
+    <p:tnLst>
+      <p:par>
+        <p:cTn id="1" dur="indefinite" restart="never" nodeType="tmRoot"/>
+      </p:par>
+    </p:tnLst>
+  </p:timing>
+</p:sld>
+</file>
+
+<file path=ppt/slides/slide26.xml><?xml version="1.0" encoding="utf-8"?>
+<p:sld xmlns:a="http://schemas.openxmlformats.org/drawingml/2006/main" xmlns:r="http://schemas.openxmlformats.org/officeDocument/2006/relationships" xmlns:p="http://schemas.openxmlformats.org/presentationml/2006/main">
+  <p:cSld>
+    <p:spTree>
+      <p:nvGrpSpPr>
+        <p:cNvPr id="1" name=""/>
+        <p:cNvGrpSpPr/>
+        <p:nvPr/>
+      </p:nvGrpSpPr>
+      <p:grpSpPr>
+        <a:xfrm>
+          <a:off x="0" y="0"/>
+          <a:ext cx="0" cy="0"/>
+          <a:chOff x="0" y="0"/>
+          <a:chExt cx="0" cy="0"/>
+        </a:xfrm>
+      </p:grpSpPr>
+      <p:sp>
+        <p:nvSpPr>
+          <p:cNvPr id="2" name="Title 1"/>
+          <p:cNvSpPr>
+            <a:spLocks noGrp="1"/>
+          </p:cNvSpPr>
+          <p:nvPr>
+            <p:ph type="title"/>
+          </p:nvPr>
+        </p:nvSpPr>
+        <p:spPr/>
+        <p:txBody>
+          <a:bodyPr/>
+          <a:lstStyle/>
+          <a:p>
+            <a:r>
+              <a:rPr lang="nl-BE" dirty="0" smtClean="0"/>
               <a:t>Vervolg</a:t>
             </a:r>
             <a:endParaRPr lang="nl-BE" dirty="0"/>
@@ -7790,6 +7850,13 @@
   <p:clrMapOvr>
     <a:masterClrMapping/>
   </p:clrMapOvr>
+  <p:timing>
+    <p:tnLst>
+      <p:par>
+        <p:cTn id="1" dur="indefinite" restart="never" nodeType="tmRoot"/>
+      </p:par>
+    </p:tnLst>
+  </p:timing>
 </p:sld>
 </file>
 
@@ -8528,11 +8595,7 @@
             </a:r>
             <a:r>
               <a:rPr lang="nl-BE" dirty="0" smtClean="0"/>
-              <a:t>) </a:t>
-            </a:r>
-            <a:r>
-              <a:rPr lang="nl-BE" dirty="0" smtClean="0"/>
-              <a:t>{</a:t>
+              <a:t>) {</a:t>
             </a:r>
           </a:p>
           <a:p>
@@ -8547,7 +8610,6 @@
               <a:rPr lang="nl-BE" dirty="0" smtClean="0"/>
               <a:t>do…</a:t>
             </a:r>
-            <a:endParaRPr lang="nl-BE" dirty="0" smtClean="0"/>
           </a:p>
           <a:p>
             <a:pPr marL="0" indent="0">
@@ -8565,7 +8627,6 @@
               <a:rPr lang="nl-BE" dirty="0" smtClean="0"/>
               <a:t> (condition2){</a:t>
             </a:r>
-            <a:endParaRPr lang="nl-BE" dirty="0" smtClean="0"/>
           </a:p>
           <a:p>
             <a:pPr marL="0" indent="0">
@@ -8573,11 +8634,7 @@
             </a:pPr>
             <a:r>
               <a:rPr lang="nl-BE" dirty="0" smtClean="0"/>
-              <a:t>	</a:t>
-            </a:r>
-            <a:r>
-              <a:rPr lang="nl-BE" dirty="0" smtClean="0"/>
-              <a:t>	do …</a:t>
+              <a:t>		do …</a:t>
             </a:r>
           </a:p>
           <a:p>
@@ -8592,7 +8649,6 @@
               <a:rPr lang="nl-BE" dirty="0" smtClean="0"/>
               <a:t>}</a:t>
             </a:r>
-            <a:endParaRPr lang="nl-BE" dirty="0" smtClean="0"/>
           </a:p>
           <a:p>
             <a:pPr marL="0" indent="0">
@@ -8645,7 +8701,6 @@
               <a:rPr lang="nl-BE" dirty="0" smtClean="0"/>
               <a:t>…</a:t>
             </a:r>
-            <a:endParaRPr lang="nl-BE" dirty="0" smtClean="0"/>
           </a:p>
           <a:p>
             <a:pPr marL="0" indent="0">
@@ -9056,7 +9111,6 @@
               <a:rPr lang="nl-BE" dirty="0" smtClean="0"/>
               <a:t>…</a:t>
             </a:r>
-            <a:endParaRPr lang="nl-BE" dirty="0" smtClean="0"/>
           </a:p>
           <a:p>
             <a:pPr marL="0" indent="0">
